--- a/ClassSlides/Course2_GitHubDesktop.pptx
+++ b/ClassSlides/Course2_GitHubDesktop.pptx
@@ -8,6 +8,9 @@
     <p:sldId id="256" r:id="rId2"/>
     <p:sldId id="257" r:id="rId3"/>
     <p:sldId id="258" r:id="rId4"/>
+    <p:sldId id="259" r:id="rId5"/>
+    <p:sldId id="260" r:id="rId6"/>
+    <p:sldId id="261" r:id="rId7"/>
   </p:sldIdLst>
   <p:sldSz cx="12192000" cy="6858000"/>
   <p:notesSz cx="6858000" cy="9144000"/>
@@ -3599,7 +3602,7 @@
           <a:p>
             <a:r>
               <a:rPr lang="en-US" dirty="0"/>
-              <a:t>Pushing Changes</a:t>
+              <a:t>Committing Changes</a:t>
             </a:r>
           </a:p>
         </p:txBody>
@@ -3620,19 +3623,706 @@
             <p:ph idx="1"/>
           </p:nvPr>
         </p:nvSpPr>
-        <p:spPr/>
-        <p:txBody>
-          <a:bodyPr/>
-          <a:lstStyle/>
-          <a:p>
-            <a:endParaRPr lang="en-US"/>
-          </a:p>
-        </p:txBody>
-      </p:sp>
+        <p:spPr>
+          <a:xfrm>
+            <a:off x="838200" y="1825625"/>
+            <a:ext cx="3307672" cy="4351338"/>
+          </a:xfrm>
+        </p:spPr>
+        <p:txBody>
+          <a:bodyPr/>
+          <a:lstStyle/>
+          <a:p>
+            <a:r>
+              <a:rPr lang="en-US" dirty="0"/>
+              <a:t>Slight difference from Git Extensions in that you need to select the files you want to commit (as opposed to staging them) and commit to the local repo </a:t>
+            </a:r>
+            <a:r>
+              <a:rPr lang="en-US" i="1" dirty="0"/>
+              <a:t>before</a:t>
+            </a:r>
+            <a:r>
+              <a:rPr lang="en-US" dirty="0"/>
+              <a:t> you push</a:t>
+            </a:r>
+          </a:p>
+        </p:txBody>
+      </p:sp>
+      <p:pic>
+        <p:nvPicPr>
+          <p:cNvPr id="4" name="Picture 3">
+            <a:extLst>
+              <a:ext uri="{FF2B5EF4-FFF2-40B4-BE49-F238E27FC236}">
+                <a16:creationId xmlns:a16="http://schemas.microsoft.com/office/drawing/2014/main" id="{ACE0778F-0304-4EA1-BAA4-3F354144448E}"/>
+              </a:ext>
+            </a:extLst>
+          </p:cNvPr>
+          <p:cNvPicPr>
+            <a:picLocks noChangeAspect="1"/>
+          </p:cNvPicPr>
+          <p:nvPr/>
+        </p:nvPicPr>
+        <p:blipFill>
+          <a:blip r:embed="rId2"/>
+          <a:stretch>
+            <a:fillRect/>
+          </a:stretch>
+        </p:blipFill>
+        <p:spPr>
+          <a:xfrm>
+            <a:off x="5534380" y="1825625"/>
+            <a:ext cx="5819420" cy="4019550"/>
+          </a:xfrm>
+          <a:prstGeom prst="rect">
+            <a:avLst/>
+          </a:prstGeom>
+        </p:spPr>
+      </p:pic>
+      <p:sp>
+        <p:nvSpPr>
+          <p:cNvPr id="5" name="TextBox 4">
+            <a:extLst>
+              <a:ext uri="{FF2B5EF4-FFF2-40B4-BE49-F238E27FC236}">
+                <a16:creationId xmlns:a16="http://schemas.microsoft.com/office/drawing/2014/main" id="{C8795BDF-1E2A-4035-93C3-6FC6E7BE12C9}"/>
+              </a:ext>
+            </a:extLst>
+          </p:cNvPr>
+          <p:cNvSpPr txBox="1"/>
+          <p:nvPr/>
+        </p:nvSpPr>
+        <p:spPr>
+          <a:xfrm>
+            <a:off x="8515111" y="2695821"/>
+            <a:ext cx="2019300" cy="923330"/>
+          </a:xfrm>
+          <a:prstGeom prst="rect">
+            <a:avLst/>
+          </a:prstGeom>
+          <a:noFill/>
+          <a:ln>
+            <a:solidFill>
+              <a:schemeClr val="tx1"/>
+            </a:solidFill>
+          </a:ln>
+        </p:spPr>
+        <p:txBody>
+          <a:bodyPr wrap="square" rtlCol="0">
+            <a:spAutoFit/>
+          </a:bodyPr>
+          <a:lstStyle/>
+          <a:p>
+            <a:pPr algn="ctr"/>
+            <a:r>
+              <a:rPr lang="en-US" dirty="0"/>
+              <a:t>1. Select files you want to commit via check boxes</a:t>
+            </a:r>
+          </a:p>
+        </p:txBody>
+      </p:sp>
+      <p:cxnSp>
+        <p:nvCxnSpPr>
+          <p:cNvPr id="7" name="Straight Arrow Connector 6">
+            <a:extLst>
+              <a:ext uri="{FF2B5EF4-FFF2-40B4-BE49-F238E27FC236}">
+                <a16:creationId xmlns:a16="http://schemas.microsoft.com/office/drawing/2014/main" id="{9CFFA6B7-3961-410A-ABD7-079D72C69811}"/>
+              </a:ext>
+            </a:extLst>
+          </p:cNvPr>
+          <p:cNvCxnSpPr>
+            <a:stCxn id="5" idx="1"/>
+          </p:cNvCxnSpPr>
+          <p:nvPr/>
+        </p:nvCxnSpPr>
+        <p:spPr>
+          <a:xfrm flipH="1" flipV="1">
+            <a:off x="7794594" y="2858610"/>
+            <a:ext cx="720517" cy="298876"/>
+          </a:xfrm>
+          <a:prstGeom prst="straightConnector1">
+            <a:avLst/>
+          </a:prstGeom>
+          <a:ln>
+            <a:solidFill>
+              <a:srgbClr val="FF0000"/>
+            </a:solidFill>
+            <a:tailEnd type="triangle"/>
+          </a:ln>
+        </p:spPr>
+        <p:style>
+          <a:lnRef idx="1">
+            <a:schemeClr val="accent1"/>
+          </a:lnRef>
+          <a:fillRef idx="0">
+            <a:schemeClr val="accent1"/>
+          </a:fillRef>
+          <a:effectRef idx="0">
+            <a:schemeClr val="accent1"/>
+          </a:effectRef>
+          <a:fontRef idx="minor">
+            <a:schemeClr val="tx1"/>
+          </a:fontRef>
+        </p:style>
+      </p:cxnSp>
+      <p:sp>
+        <p:nvSpPr>
+          <p:cNvPr id="8" name="TextBox 7">
+            <a:extLst>
+              <a:ext uri="{FF2B5EF4-FFF2-40B4-BE49-F238E27FC236}">
+                <a16:creationId xmlns:a16="http://schemas.microsoft.com/office/drawing/2014/main" id="{3000338A-3FC2-4269-BFC5-9C171F78D23F}"/>
+              </a:ext>
+            </a:extLst>
+          </p:cNvPr>
+          <p:cNvSpPr txBox="1"/>
+          <p:nvPr/>
+        </p:nvSpPr>
+        <p:spPr>
+          <a:xfrm>
+            <a:off x="8711899" y="4652136"/>
+            <a:ext cx="2019300" cy="923330"/>
+          </a:xfrm>
+          <a:prstGeom prst="rect">
+            <a:avLst/>
+          </a:prstGeom>
+          <a:noFill/>
+          <a:ln>
+            <a:solidFill>
+              <a:schemeClr val="tx1"/>
+            </a:solidFill>
+          </a:ln>
+        </p:spPr>
+        <p:txBody>
+          <a:bodyPr wrap="square" rtlCol="0">
+            <a:spAutoFit/>
+          </a:bodyPr>
+          <a:lstStyle/>
+          <a:p>
+            <a:pPr algn="ctr"/>
+            <a:r>
+              <a:rPr lang="en-US" dirty="0"/>
+              <a:t>2. Commit – note this will only be to your </a:t>
+            </a:r>
+            <a:r>
+              <a:rPr lang="en-US" i="1" dirty="0"/>
+              <a:t>local</a:t>
+            </a:r>
+            <a:r>
+              <a:rPr lang="en-US" dirty="0"/>
+              <a:t> repo</a:t>
+            </a:r>
+          </a:p>
+        </p:txBody>
+      </p:sp>
+      <p:cxnSp>
+        <p:nvCxnSpPr>
+          <p:cNvPr id="9" name="Straight Arrow Connector 8">
+            <a:extLst>
+              <a:ext uri="{FF2B5EF4-FFF2-40B4-BE49-F238E27FC236}">
+                <a16:creationId xmlns:a16="http://schemas.microsoft.com/office/drawing/2014/main" id="{218A3234-CD7F-490B-9C7F-F4FFEA5FA18B}"/>
+              </a:ext>
+            </a:extLst>
+          </p:cNvPr>
+          <p:cNvCxnSpPr>
+            <a:cxnSpLocks/>
+            <a:stCxn id="8" idx="1"/>
+          </p:cNvCxnSpPr>
+          <p:nvPr/>
+        </p:nvCxnSpPr>
+        <p:spPr>
+          <a:xfrm flipH="1">
+            <a:off x="7794595" y="5113801"/>
+            <a:ext cx="917304" cy="500542"/>
+          </a:xfrm>
+          <a:prstGeom prst="straightConnector1">
+            <a:avLst/>
+          </a:prstGeom>
+          <a:ln>
+            <a:solidFill>
+              <a:srgbClr val="FF0000"/>
+            </a:solidFill>
+            <a:tailEnd type="triangle"/>
+          </a:ln>
+        </p:spPr>
+        <p:style>
+          <a:lnRef idx="1">
+            <a:schemeClr val="accent1"/>
+          </a:lnRef>
+          <a:fillRef idx="0">
+            <a:schemeClr val="accent1"/>
+          </a:fillRef>
+          <a:effectRef idx="0">
+            <a:schemeClr val="accent1"/>
+          </a:effectRef>
+          <a:fontRef idx="minor">
+            <a:schemeClr val="tx1"/>
+          </a:fontRef>
+        </p:style>
+      </p:cxnSp>
     </p:spTree>
     <p:extLst>
       <p:ext uri="{BB962C8B-B14F-4D97-AF65-F5344CB8AC3E}">
         <p14:creationId xmlns:p14="http://schemas.microsoft.com/office/powerpoint/2010/main" val="1619320581"/>
+      </p:ext>
+    </p:extLst>
+  </p:cSld>
+  <p:clrMapOvr>
+    <a:masterClrMapping/>
+  </p:clrMapOvr>
+</p:sld>
+</file>
+
+<file path=ppt/slides/slide4.xml><?xml version="1.0" encoding="utf-8"?>
+<p:sld xmlns:a="http://schemas.openxmlformats.org/drawingml/2006/main" xmlns:r="http://schemas.openxmlformats.org/officeDocument/2006/relationships" xmlns:p="http://schemas.openxmlformats.org/presentationml/2006/main">
+  <p:cSld>
+    <p:spTree>
+      <p:nvGrpSpPr>
+        <p:cNvPr id="1" name=""/>
+        <p:cNvGrpSpPr/>
+        <p:nvPr/>
+      </p:nvGrpSpPr>
+      <p:grpSpPr>
+        <a:xfrm>
+          <a:off x="0" y="0"/>
+          <a:ext cx="0" cy="0"/>
+          <a:chOff x="0" y="0"/>
+          <a:chExt cx="0" cy="0"/>
+        </a:xfrm>
+      </p:grpSpPr>
+      <p:sp>
+        <p:nvSpPr>
+          <p:cNvPr id="2" name="Title 1">
+            <a:extLst>
+              <a:ext uri="{FF2B5EF4-FFF2-40B4-BE49-F238E27FC236}">
+                <a16:creationId xmlns:a16="http://schemas.microsoft.com/office/drawing/2014/main" id="{23C23456-F095-41EA-AB26-68206C8BB2A0}"/>
+              </a:ext>
+            </a:extLst>
+          </p:cNvPr>
+          <p:cNvSpPr>
+            <a:spLocks noGrp="1"/>
+          </p:cNvSpPr>
+          <p:nvPr>
+            <p:ph type="title"/>
+          </p:nvPr>
+        </p:nvSpPr>
+        <p:spPr/>
+        <p:txBody>
+          <a:bodyPr/>
+          <a:lstStyle/>
+          <a:p>
+            <a:r>
+              <a:rPr lang="en-US" dirty="0"/>
+              <a:t>Pushing</a:t>
+            </a:r>
+          </a:p>
+        </p:txBody>
+      </p:sp>
+      <p:sp>
+        <p:nvSpPr>
+          <p:cNvPr id="3" name="Content Placeholder 2">
+            <a:extLst>
+              <a:ext uri="{FF2B5EF4-FFF2-40B4-BE49-F238E27FC236}">
+                <a16:creationId xmlns:a16="http://schemas.microsoft.com/office/drawing/2014/main" id="{77AD8CCD-84E8-4696-93AB-6DAC1077F5CD}"/>
+              </a:ext>
+            </a:extLst>
+          </p:cNvPr>
+          <p:cNvSpPr>
+            <a:spLocks noGrp="1"/>
+          </p:cNvSpPr>
+          <p:nvPr>
+            <p:ph idx="1"/>
+          </p:nvPr>
+        </p:nvSpPr>
+        <p:spPr>
+          <a:xfrm>
+            <a:off x="838200" y="1825625"/>
+            <a:ext cx="3520736" cy="4351338"/>
+          </a:xfrm>
+        </p:spPr>
+        <p:txBody>
+          <a:bodyPr/>
+          <a:lstStyle/>
+          <a:p>
+            <a:r>
+              <a:rPr lang="en-US" i="1" dirty="0"/>
+              <a:t>After </a:t>
+            </a:r>
+            <a:r>
+              <a:rPr lang="en-US" dirty="0"/>
+              <a:t>you’ve committed files, pushing is easy</a:t>
+            </a:r>
+          </a:p>
+          <a:p>
+            <a:endParaRPr lang="en-US" i="1" dirty="0"/>
+          </a:p>
+          <a:p>
+            <a:r>
+              <a:rPr lang="en-US" dirty="0"/>
+              <a:t>Simply repository -&gt; push (or </a:t>
+            </a:r>
+            <a:r>
+              <a:rPr lang="en-US" dirty="0" err="1"/>
+              <a:t>ctrl+p</a:t>
+            </a:r>
+            <a:r>
+              <a:rPr lang="en-US" dirty="0"/>
+              <a:t>)</a:t>
+            </a:r>
+          </a:p>
+        </p:txBody>
+      </p:sp>
+      <p:pic>
+        <p:nvPicPr>
+          <p:cNvPr id="4" name="Picture 3">
+            <a:extLst>
+              <a:ext uri="{FF2B5EF4-FFF2-40B4-BE49-F238E27FC236}">
+                <a16:creationId xmlns:a16="http://schemas.microsoft.com/office/drawing/2014/main" id="{3A444014-8C3D-4633-B5DA-D4B54A5A5953}"/>
+              </a:ext>
+            </a:extLst>
+          </p:cNvPr>
+          <p:cNvPicPr>
+            <a:picLocks noChangeAspect="1"/>
+          </p:cNvPicPr>
+          <p:nvPr/>
+        </p:nvPicPr>
+        <p:blipFill>
+          <a:blip r:embed="rId2"/>
+          <a:stretch>
+            <a:fillRect/>
+          </a:stretch>
+        </p:blipFill>
+        <p:spPr>
+          <a:xfrm>
+            <a:off x="5033263" y="1825625"/>
+            <a:ext cx="6320537" cy="3933085"/>
+          </a:xfrm>
+          <a:prstGeom prst="rect">
+            <a:avLst/>
+          </a:prstGeom>
+        </p:spPr>
+      </p:pic>
+    </p:spTree>
+    <p:extLst>
+      <p:ext uri="{BB962C8B-B14F-4D97-AF65-F5344CB8AC3E}">
+        <p14:creationId xmlns:p14="http://schemas.microsoft.com/office/powerpoint/2010/main" val="4269105032"/>
+      </p:ext>
+    </p:extLst>
+  </p:cSld>
+  <p:clrMapOvr>
+    <a:masterClrMapping/>
+  </p:clrMapOvr>
+</p:sld>
+</file>
+
+<file path=ppt/slides/slide5.xml><?xml version="1.0" encoding="utf-8"?>
+<p:sld xmlns:a="http://schemas.openxmlformats.org/drawingml/2006/main" xmlns:r="http://schemas.openxmlformats.org/officeDocument/2006/relationships" xmlns:p="http://schemas.openxmlformats.org/presentationml/2006/main">
+  <p:cSld>
+    <p:spTree>
+      <p:nvGrpSpPr>
+        <p:cNvPr id="1" name=""/>
+        <p:cNvGrpSpPr/>
+        <p:nvPr/>
+      </p:nvGrpSpPr>
+      <p:grpSpPr>
+        <a:xfrm>
+          <a:off x="0" y="0"/>
+          <a:ext cx="0" cy="0"/>
+          <a:chOff x="0" y="0"/>
+          <a:chExt cx="0" cy="0"/>
+        </a:xfrm>
+      </p:grpSpPr>
+      <p:sp>
+        <p:nvSpPr>
+          <p:cNvPr id="2" name="Title 1">
+            <a:extLst>
+              <a:ext uri="{FF2B5EF4-FFF2-40B4-BE49-F238E27FC236}">
+                <a16:creationId xmlns:a16="http://schemas.microsoft.com/office/drawing/2014/main" id="{23C23456-F095-41EA-AB26-68206C8BB2A0}"/>
+              </a:ext>
+            </a:extLst>
+          </p:cNvPr>
+          <p:cNvSpPr>
+            <a:spLocks noGrp="1"/>
+          </p:cNvSpPr>
+          <p:nvPr>
+            <p:ph type="title"/>
+          </p:nvPr>
+        </p:nvSpPr>
+        <p:spPr/>
+        <p:txBody>
+          <a:bodyPr/>
+          <a:lstStyle/>
+          <a:p>
+            <a:r>
+              <a:rPr lang="en-US" dirty="0"/>
+              <a:t>Creating a branch</a:t>
+            </a:r>
+          </a:p>
+        </p:txBody>
+      </p:sp>
+      <p:sp>
+        <p:nvSpPr>
+          <p:cNvPr id="3" name="Content Placeholder 2">
+            <a:extLst>
+              <a:ext uri="{FF2B5EF4-FFF2-40B4-BE49-F238E27FC236}">
+                <a16:creationId xmlns:a16="http://schemas.microsoft.com/office/drawing/2014/main" id="{77AD8CCD-84E8-4696-93AB-6DAC1077F5CD}"/>
+              </a:ext>
+            </a:extLst>
+          </p:cNvPr>
+          <p:cNvSpPr>
+            <a:spLocks noGrp="1"/>
+          </p:cNvSpPr>
+          <p:nvPr>
+            <p:ph idx="1"/>
+          </p:nvPr>
+        </p:nvSpPr>
+        <p:spPr>
+          <a:xfrm>
+            <a:off x="838200" y="1825625"/>
+            <a:ext cx="4710344" cy="4351338"/>
+          </a:xfrm>
+        </p:spPr>
+        <p:txBody>
+          <a:bodyPr/>
+          <a:lstStyle/>
+          <a:p>
+            <a:r>
+              <a:rPr lang="en-US" dirty="0"/>
+              <a:t>Branch -&gt; Create new branch</a:t>
+            </a:r>
+          </a:p>
+        </p:txBody>
+      </p:sp>
+      <p:pic>
+        <p:nvPicPr>
+          <p:cNvPr id="5" name="Picture 4">
+            <a:extLst>
+              <a:ext uri="{FF2B5EF4-FFF2-40B4-BE49-F238E27FC236}">
+                <a16:creationId xmlns:a16="http://schemas.microsoft.com/office/drawing/2014/main" id="{7B79D66A-6488-4C60-BE2C-1573C30DE8B9}"/>
+              </a:ext>
+            </a:extLst>
+          </p:cNvPr>
+          <p:cNvPicPr>
+            <a:picLocks noChangeAspect="1"/>
+          </p:cNvPicPr>
+          <p:nvPr/>
+        </p:nvPicPr>
+        <p:blipFill>
+          <a:blip r:embed="rId2"/>
+          <a:stretch>
+            <a:fillRect/>
+          </a:stretch>
+        </p:blipFill>
+        <p:spPr>
+          <a:xfrm>
+            <a:off x="524800" y="2574803"/>
+            <a:ext cx="5879913" cy="3602160"/>
+          </a:xfrm>
+          <a:prstGeom prst="rect">
+            <a:avLst/>
+          </a:prstGeom>
+        </p:spPr>
+      </p:pic>
+      <p:pic>
+        <p:nvPicPr>
+          <p:cNvPr id="6" name="Picture 5">
+            <a:extLst>
+              <a:ext uri="{FF2B5EF4-FFF2-40B4-BE49-F238E27FC236}">
+                <a16:creationId xmlns:a16="http://schemas.microsoft.com/office/drawing/2014/main" id="{91FFF94B-B7F1-438C-AA8B-0BC71359E70D}"/>
+              </a:ext>
+            </a:extLst>
+          </p:cNvPr>
+          <p:cNvPicPr>
+            <a:picLocks noChangeAspect="1"/>
+          </p:cNvPicPr>
+          <p:nvPr/>
+        </p:nvPicPr>
+        <p:blipFill>
+          <a:blip r:embed="rId3"/>
+          <a:stretch>
+            <a:fillRect/>
+          </a:stretch>
+        </p:blipFill>
+        <p:spPr>
+          <a:xfrm>
+            <a:off x="7036294" y="1729581"/>
+            <a:ext cx="4724400" cy="4543425"/>
+          </a:xfrm>
+          <a:prstGeom prst="rect">
+            <a:avLst/>
+          </a:prstGeom>
+        </p:spPr>
+      </p:pic>
+      <p:sp>
+        <p:nvSpPr>
+          <p:cNvPr id="7" name="TextBox 6">
+            <a:extLst>
+              <a:ext uri="{FF2B5EF4-FFF2-40B4-BE49-F238E27FC236}">
+                <a16:creationId xmlns:a16="http://schemas.microsoft.com/office/drawing/2014/main" id="{0C8AFDDD-830C-4ACF-8CA5-D2237113F244}"/>
+              </a:ext>
+            </a:extLst>
+          </p:cNvPr>
+          <p:cNvSpPr txBox="1"/>
+          <p:nvPr/>
+        </p:nvSpPr>
+        <p:spPr>
+          <a:xfrm>
+            <a:off x="7892463" y="5039981"/>
+            <a:ext cx="3035423" cy="646331"/>
+          </a:xfrm>
+          <a:prstGeom prst="rect">
+            <a:avLst/>
+          </a:prstGeom>
+          <a:solidFill>
+            <a:schemeClr val="bg1"/>
+          </a:solidFill>
+          <a:ln>
+            <a:solidFill>
+              <a:schemeClr val="tx1"/>
+            </a:solidFill>
+          </a:ln>
+        </p:spPr>
+        <p:txBody>
+          <a:bodyPr wrap="square" rtlCol="0">
+            <a:spAutoFit/>
+          </a:bodyPr>
+          <a:lstStyle/>
+          <a:p>
+            <a:pPr algn="ctr"/>
+            <a:r>
+              <a:rPr lang="en-US" i="1" dirty="0"/>
+              <a:t>Here – Choose which branch you want to break off of</a:t>
+            </a:r>
+          </a:p>
+        </p:txBody>
+      </p:sp>
+      <p:sp>
+        <p:nvSpPr>
+          <p:cNvPr id="8" name="Arrow: Right 7">
+            <a:extLst>
+              <a:ext uri="{FF2B5EF4-FFF2-40B4-BE49-F238E27FC236}">
+                <a16:creationId xmlns:a16="http://schemas.microsoft.com/office/drawing/2014/main" id="{54A9BDC8-04BF-4581-96D4-F5D6D5B330B8}"/>
+              </a:ext>
+            </a:extLst>
+          </p:cNvPr>
+          <p:cNvSpPr/>
+          <p:nvPr/>
+        </p:nvSpPr>
+        <p:spPr>
+          <a:xfrm>
+            <a:off x="6516210" y="3755255"/>
+            <a:ext cx="520084" cy="683580"/>
+          </a:xfrm>
+          <a:prstGeom prst="rightArrow">
+            <a:avLst/>
+          </a:prstGeom>
+        </p:spPr>
+        <p:style>
+          <a:lnRef idx="2">
+            <a:schemeClr val="accent1">
+              <a:shade val="50000"/>
+            </a:schemeClr>
+          </a:lnRef>
+          <a:fillRef idx="1">
+            <a:schemeClr val="accent1"/>
+          </a:fillRef>
+          <a:effectRef idx="0">
+            <a:schemeClr val="accent1"/>
+          </a:effectRef>
+          <a:fontRef idx="minor">
+            <a:schemeClr val="lt1"/>
+          </a:fontRef>
+        </p:style>
+        <p:txBody>
+          <a:bodyPr rtlCol="0" anchor="ctr"/>
+          <a:lstStyle/>
+          <a:p>
+            <a:pPr algn="ctr"/>
+            <a:endParaRPr lang="en-US"/>
+          </a:p>
+        </p:txBody>
+      </p:sp>
+    </p:spTree>
+    <p:extLst>
+      <p:ext uri="{BB962C8B-B14F-4D97-AF65-F5344CB8AC3E}">
+        <p14:creationId xmlns:p14="http://schemas.microsoft.com/office/powerpoint/2010/main" val="3211052419"/>
+      </p:ext>
+    </p:extLst>
+  </p:cSld>
+  <p:clrMapOvr>
+    <a:masterClrMapping/>
+  </p:clrMapOvr>
+</p:sld>
+</file>
+
+<file path=ppt/slides/slide6.xml><?xml version="1.0" encoding="utf-8"?>
+<p:sld xmlns:a="http://schemas.openxmlformats.org/drawingml/2006/main" xmlns:r="http://schemas.openxmlformats.org/officeDocument/2006/relationships" xmlns:p="http://schemas.openxmlformats.org/presentationml/2006/main">
+  <p:cSld>
+    <p:spTree>
+      <p:nvGrpSpPr>
+        <p:cNvPr id="1" name=""/>
+        <p:cNvGrpSpPr/>
+        <p:nvPr/>
+      </p:nvGrpSpPr>
+      <p:grpSpPr>
+        <a:xfrm>
+          <a:off x="0" y="0"/>
+          <a:ext cx="0" cy="0"/>
+          <a:chOff x="0" y="0"/>
+          <a:chExt cx="0" cy="0"/>
+        </a:xfrm>
+      </p:grpSpPr>
+      <p:sp>
+        <p:nvSpPr>
+          <p:cNvPr id="2" name="Title 1">
+            <a:extLst>
+              <a:ext uri="{FF2B5EF4-FFF2-40B4-BE49-F238E27FC236}">
+                <a16:creationId xmlns:a16="http://schemas.microsoft.com/office/drawing/2014/main" id="{9AE33360-6539-4F7D-9F61-B5F78E98068F}"/>
+              </a:ext>
+            </a:extLst>
+          </p:cNvPr>
+          <p:cNvSpPr>
+            <a:spLocks noGrp="1"/>
+          </p:cNvSpPr>
+          <p:nvPr>
+            <p:ph type="title"/>
+          </p:nvPr>
+        </p:nvSpPr>
+        <p:spPr/>
+        <p:txBody>
+          <a:bodyPr/>
+          <a:lstStyle/>
+          <a:p>
+            <a:endParaRPr lang="en-US"/>
+          </a:p>
+        </p:txBody>
+      </p:sp>
+      <p:sp>
+        <p:nvSpPr>
+          <p:cNvPr id="3" name="Content Placeholder 2">
+            <a:extLst>
+              <a:ext uri="{FF2B5EF4-FFF2-40B4-BE49-F238E27FC236}">
+                <a16:creationId xmlns:a16="http://schemas.microsoft.com/office/drawing/2014/main" id="{7F8153A8-728A-423B-9ABB-ADA6C32AF017}"/>
+              </a:ext>
+            </a:extLst>
+          </p:cNvPr>
+          <p:cNvSpPr>
+            <a:spLocks noGrp="1"/>
+          </p:cNvSpPr>
+          <p:nvPr>
+            <p:ph idx="1"/>
+          </p:nvPr>
+        </p:nvSpPr>
+        <p:spPr/>
+        <p:txBody>
+          <a:bodyPr/>
+          <a:lstStyle/>
+          <a:p>
+            <a:endParaRPr lang="en-US"/>
+          </a:p>
+        </p:txBody>
+      </p:sp>
+    </p:spTree>
+    <p:extLst>
+      <p:ext uri="{BB962C8B-B14F-4D97-AF65-F5344CB8AC3E}">
+        <p14:creationId xmlns:p14="http://schemas.microsoft.com/office/powerpoint/2010/main" val="3528621386"/>
       </p:ext>
     </p:extLst>
   </p:cSld>

--- a/ClassSlides/Course2_GitHubDesktop.pptx
+++ b/ClassSlides/Course2_GitHubDesktop.pptx
@@ -8,6 +8,9 @@
     <p:sldId id="256" r:id="rId2"/>
     <p:sldId id="257" r:id="rId3"/>
     <p:sldId id="258" r:id="rId4"/>
+    <p:sldId id="259" r:id="rId5"/>
+    <p:sldId id="260" r:id="rId6"/>
+    <p:sldId id="262" r:id="rId7"/>
   </p:sldIdLst>
   <p:sldSz cx="12192000" cy="6858000"/>
   <p:notesSz cx="6858000" cy="9144000"/>
@@ -3599,7 +3602,7 @@
           <a:p>
             <a:r>
               <a:rPr lang="en-US" dirty="0"/>
-              <a:t>Pushing Changes</a:t>
+              <a:t>Committing Changes</a:t>
             </a:r>
           </a:p>
         </p:txBody>
@@ -3620,19 +3623,831 @@
             <p:ph idx="1"/>
           </p:nvPr>
         </p:nvSpPr>
-        <p:spPr/>
-        <p:txBody>
-          <a:bodyPr/>
-          <a:lstStyle/>
-          <a:p>
-            <a:endParaRPr lang="en-US"/>
-          </a:p>
-        </p:txBody>
-      </p:sp>
+        <p:spPr>
+          <a:xfrm>
+            <a:off x="838200" y="1825625"/>
+            <a:ext cx="3307672" cy="4351338"/>
+          </a:xfrm>
+        </p:spPr>
+        <p:txBody>
+          <a:bodyPr/>
+          <a:lstStyle/>
+          <a:p>
+            <a:r>
+              <a:rPr lang="en-US" dirty="0"/>
+              <a:t>Slight difference from Git Extensions in that you need to select the files you want to commit (as opposed to staging them) and commit to the local repo </a:t>
+            </a:r>
+            <a:r>
+              <a:rPr lang="en-US" i="1" dirty="0"/>
+              <a:t>before</a:t>
+            </a:r>
+            <a:r>
+              <a:rPr lang="en-US" dirty="0"/>
+              <a:t> you push</a:t>
+            </a:r>
+          </a:p>
+        </p:txBody>
+      </p:sp>
+      <p:pic>
+        <p:nvPicPr>
+          <p:cNvPr id="4" name="Picture 3">
+            <a:extLst>
+              <a:ext uri="{FF2B5EF4-FFF2-40B4-BE49-F238E27FC236}">
+                <a16:creationId xmlns:a16="http://schemas.microsoft.com/office/drawing/2014/main" id="{ACE0778F-0304-4EA1-BAA4-3F354144448E}"/>
+              </a:ext>
+            </a:extLst>
+          </p:cNvPr>
+          <p:cNvPicPr>
+            <a:picLocks noChangeAspect="1"/>
+          </p:cNvPicPr>
+          <p:nvPr/>
+        </p:nvPicPr>
+        <p:blipFill>
+          <a:blip r:embed="rId2"/>
+          <a:stretch>
+            <a:fillRect/>
+          </a:stretch>
+        </p:blipFill>
+        <p:spPr>
+          <a:xfrm>
+            <a:off x="5534380" y="1825625"/>
+            <a:ext cx="5819420" cy="4019550"/>
+          </a:xfrm>
+          <a:prstGeom prst="rect">
+            <a:avLst/>
+          </a:prstGeom>
+        </p:spPr>
+      </p:pic>
+      <p:sp>
+        <p:nvSpPr>
+          <p:cNvPr id="5" name="TextBox 4">
+            <a:extLst>
+              <a:ext uri="{FF2B5EF4-FFF2-40B4-BE49-F238E27FC236}">
+                <a16:creationId xmlns:a16="http://schemas.microsoft.com/office/drawing/2014/main" id="{C8795BDF-1E2A-4035-93C3-6FC6E7BE12C9}"/>
+              </a:ext>
+            </a:extLst>
+          </p:cNvPr>
+          <p:cNvSpPr txBox="1"/>
+          <p:nvPr/>
+        </p:nvSpPr>
+        <p:spPr>
+          <a:xfrm>
+            <a:off x="8515111" y="2695821"/>
+            <a:ext cx="2019300" cy="923330"/>
+          </a:xfrm>
+          <a:prstGeom prst="rect">
+            <a:avLst/>
+          </a:prstGeom>
+          <a:noFill/>
+          <a:ln>
+            <a:solidFill>
+              <a:schemeClr val="tx1"/>
+            </a:solidFill>
+          </a:ln>
+        </p:spPr>
+        <p:txBody>
+          <a:bodyPr wrap="square" rtlCol="0">
+            <a:spAutoFit/>
+          </a:bodyPr>
+          <a:lstStyle/>
+          <a:p>
+            <a:pPr algn="ctr"/>
+            <a:r>
+              <a:rPr lang="en-US" dirty="0"/>
+              <a:t>1. Select files you want to commit via check boxes</a:t>
+            </a:r>
+          </a:p>
+        </p:txBody>
+      </p:sp>
+      <p:cxnSp>
+        <p:nvCxnSpPr>
+          <p:cNvPr id="7" name="Straight Arrow Connector 6">
+            <a:extLst>
+              <a:ext uri="{FF2B5EF4-FFF2-40B4-BE49-F238E27FC236}">
+                <a16:creationId xmlns:a16="http://schemas.microsoft.com/office/drawing/2014/main" id="{9CFFA6B7-3961-410A-ABD7-079D72C69811}"/>
+              </a:ext>
+            </a:extLst>
+          </p:cNvPr>
+          <p:cNvCxnSpPr>
+            <a:stCxn id="5" idx="1"/>
+          </p:cNvCxnSpPr>
+          <p:nvPr/>
+        </p:nvCxnSpPr>
+        <p:spPr>
+          <a:xfrm flipH="1" flipV="1">
+            <a:off x="7794594" y="2858610"/>
+            <a:ext cx="720517" cy="298876"/>
+          </a:xfrm>
+          <a:prstGeom prst="straightConnector1">
+            <a:avLst/>
+          </a:prstGeom>
+          <a:ln>
+            <a:solidFill>
+              <a:srgbClr val="FF0000"/>
+            </a:solidFill>
+            <a:tailEnd type="triangle"/>
+          </a:ln>
+        </p:spPr>
+        <p:style>
+          <a:lnRef idx="1">
+            <a:schemeClr val="accent1"/>
+          </a:lnRef>
+          <a:fillRef idx="0">
+            <a:schemeClr val="accent1"/>
+          </a:fillRef>
+          <a:effectRef idx="0">
+            <a:schemeClr val="accent1"/>
+          </a:effectRef>
+          <a:fontRef idx="minor">
+            <a:schemeClr val="tx1"/>
+          </a:fontRef>
+        </p:style>
+      </p:cxnSp>
+      <p:sp>
+        <p:nvSpPr>
+          <p:cNvPr id="8" name="TextBox 7">
+            <a:extLst>
+              <a:ext uri="{FF2B5EF4-FFF2-40B4-BE49-F238E27FC236}">
+                <a16:creationId xmlns:a16="http://schemas.microsoft.com/office/drawing/2014/main" id="{3000338A-3FC2-4269-BFC5-9C171F78D23F}"/>
+              </a:ext>
+            </a:extLst>
+          </p:cNvPr>
+          <p:cNvSpPr txBox="1"/>
+          <p:nvPr/>
+        </p:nvSpPr>
+        <p:spPr>
+          <a:xfrm>
+            <a:off x="8711899" y="4652136"/>
+            <a:ext cx="2019300" cy="923330"/>
+          </a:xfrm>
+          <a:prstGeom prst="rect">
+            <a:avLst/>
+          </a:prstGeom>
+          <a:noFill/>
+          <a:ln>
+            <a:solidFill>
+              <a:schemeClr val="tx1"/>
+            </a:solidFill>
+          </a:ln>
+        </p:spPr>
+        <p:txBody>
+          <a:bodyPr wrap="square" rtlCol="0">
+            <a:spAutoFit/>
+          </a:bodyPr>
+          <a:lstStyle/>
+          <a:p>
+            <a:pPr algn="ctr"/>
+            <a:r>
+              <a:rPr lang="en-US" dirty="0"/>
+              <a:t>2. Commit – note this will only be to your </a:t>
+            </a:r>
+            <a:r>
+              <a:rPr lang="en-US" i="1" dirty="0"/>
+              <a:t>local</a:t>
+            </a:r>
+            <a:r>
+              <a:rPr lang="en-US" dirty="0"/>
+              <a:t> repo</a:t>
+            </a:r>
+          </a:p>
+        </p:txBody>
+      </p:sp>
+      <p:cxnSp>
+        <p:nvCxnSpPr>
+          <p:cNvPr id="9" name="Straight Arrow Connector 8">
+            <a:extLst>
+              <a:ext uri="{FF2B5EF4-FFF2-40B4-BE49-F238E27FC236}">
+                <a16:creationId xmlns:a16="http://schemas.microsoft.com/office/drawing/2014/main" id="{218A3234-CD7F-490B-9C7F-F4FFEA5FA18B}"/>
+              </a:ext>
+            </a:extLst>
+          </p:cNvPr>
+          <p:cNvCxnSpPr>
+            <a:cxnSpLocks/>
+            <a:stCxn id="8" idx="1"/>
+          </p:cNvCxnSpPr>
+          <p:nvPr/>
+        </p:nvCxnSpPr>
+        <p:spPr>
+          <a:xfrm flipH="1">
+            <a:off x="7794595" y="5113801"/>
+            <a:ext cx="917304" cy="500542"/>
+          </a:xfrm>
+          <a:prstGeom prst="straightConnector1">
+            <a:avLst/>
+          </a:prstGeom>
+          <a:ln>
+            <a:solidFill>
+              <a:srgbClr val="FF0000"/>
+            </a:solidFill>
+            <a:tailEnd type="triangle"/>
+          </a:ln>
+        </p:spPr>
+        <p:style>
+          <a:lnRef idx="1">
+            <a:schemeClr val="accent1"/>
+          </a:lnRef>
+          <a:fillRef idx="0">
+            <a:schemeClr val="accent1"/>
+          </a:fillRef>
+          <a:effectRef idx="0">
+            <a:schemeClr val="accent1"/>
+          </a:effectRef>
+          <a:fontRef idx="minor">
+            <a:schemeClr val="tx1"/>
+          </a:fontRef>
+        </p:style>
+      </p:cxnSp>
     </p:spTree>
     <p:extLst>
       <p:ext uri="{BB962C8B-B14F-4D97-AF65-F5344CB8AC3E}">
         <p14:creationId xmlns:p14="http://schemas.microsoft.com/office/powerpoint/2010/main" val="1619320581"/>
+      </p:ext>
+    </p:extLst>
+  </p:cSld>
+  <p:clrMapOvr>
+    <a:masterClrMapping/>
+  </p:clrMapOvr>
+</p:sld>
+</file>
+
+<file path=ppt/slides/slide4.xml><?xml version="1.0" encoding="utf-8"?>
+<p:sld xmlns:a="http://schemas.openxmlformats.org/drawingml/2006/main" xmlns:r="http://schemas.openxmlformats.org/officeDocument/2006/relationships" xmlns:p="http://schemas.openxmlformats.org/presentationml/2006/main">
+  <p:cSld>
+    <p:spTree>
+      <p:nvGrpSpPr>
+        <p:cNvPr id="1" name=""/>
+        <p:cNvGrpSpPr/>
+        <p:nvPr/>
+      </p:nvGrpSpPr>
+      <p:grpSpPr>
+        <a:xfrm>
+          <a:off x="0" y="0"/>
+          <a:ext cx="0" cy="0"/>
+          <a:chOff x="0" y="0"/>
+          <a:chExt cx="0" cy="0"/>
+        </a:xfrm>
+      </p:grpSpPr>
+      <p:sp>
+        <p:nvSpPr>
+          <p:cNvPr id="2" name="Title 1">
+            <a:extLst>
+              <a:ext uri="{FF2B5EF4-FFF2-40B4-BE49-F238E27FC236}">
+                <a16:creationId xmlns:a16="http://schemas.microsoft.com/office/drawing/2014/main" id="{23C23456-F095-41EA-AB26-68206C8BB2A0}"/>
+              </a:ext>
+            </a:extLst>
+          </p:cNvPr>
+          <p:cNvSpPr>
+            <a:spLocks noGrp="1"/>
+          </p:cNvSpPr>
+          <p:nvPr>
+            <p:ph type="title"/>
+          </p:nvPr>
+        </p:nvSpPr>
+        <p:spPr/>
+        <p:txBody>
+          <a:bodyPr/>
+          <a:lstStyle/>
+          <a:p>
+            <a:r>
+              <a:rPr lang="en-US" dirty="0"/>
+              <a:t>Pushing</a:t>
+            </a:r>
+          </a:p>
+        </p:txBody>
+      </p:sp>
+      <p:sp>
+        <p:nvSpPr>
+          <p:cNvPr id="3" name="Content Placeholder 2">
+            <a:extLst>
+              <a:ext uri="{FF2B5EF4-FFF2-40B4-BE49-F238E27FC236}">
+                <a16:creationId xmlns:a16="http://schemas.microsoft.com/office/drawing/2014/main" id="{77AD8CCD-84E8-4696-93AB-6DAC1077F5CD}"/>
+              </a:ext>
+            </a:extLst>
+          </p:cNvPr>
+          <p:cNvSpPr>
+            <a:spLocks noGrp="1"/>
+          </p:cNvSpPr>
+          <p:nvPr>
+            <p:ph idx="1"/>
+          </p:nvPr>
+        </p:nvSpPr>
+        <p:spPr>
+          <a:xfrm>
+            <a:off x="838200" y="1825625"/>
+            <a:ext cx="3520736" cy="4351338"/>
+          </a:xfrm>
+        </p:spPr>
+        <p:txBody>
+          <a:bodyPr/>
+          <a:lstStyle/>
+          <a:p>
+            <a:r>
+              <a:rPr lang="en-US" i="1" dirty="0"/>
+              <a:t>After </a:t>
+            </a:r>
+            <a:r>
+              <a:rPr lang="en-US" dirty="0"/>
+              <a:t>you’ve committed files, pushing is easy</a:t>
+            </a:r>
+          </a:p>
+          <a:p>
+            <a:endParaRPr lang="en-US" i="1" dirty="0"/>
+          </a:p>
+          <a:p>
+            <a:r>
+              <a:rPr lang="en-US" dirty="0"/>
+              <a:t>Simply repository -&gt; push (or </a:t>
+            </a:r>
+            <a:r>
+              <a:rPr lang="en-US" dirty="0" err="1"/>
+              <a:t>ctrl+p</a:t>
+            </a:r>
+            <a:r>
+              <a:rPr lang="en-US" dirty="0"/>
+              <a:t>)</a:t>
+            </a:r>
+          </a:p>
+        </p:txBody>
+      </p:sp>
+      <p:pic>
+        <p:nvPicPr>
+          <p:cNvPr id="4" name="Picture 3">
+            <a:extLst>
+              <a:ext uri="{FF2B5EF4-FFF2-40B4-BE49-F238E27FC236}">
+                <a16:creationId xmlns:a16="http://schemas.microsoft.com/office/drawing/2014/main" id="{3A444014-8C3D-4633-B5DA-D4B54A5A5953}"/>
+              </a:ext>
+            </a:extLst>
+          </p:cNvPr>
+          <p:cNvPicPr>
+            <a:picLocks noChangeAspect="1"/>
+          </p:cNvPicPr>
+          <p:nvPr/>
+        </p:nvPicPr>
+        <p:blipFill>
+          <a:blip r:embed="rId2"/>
+          <a:stretch>
+            <a:fillRect/>
+          </a:stretch>
+        </p:blipFill>
+        <p:spPr>
+          <a:xfrm>
+            <a:off x="5033263" y="1825625"/>
+            <a:ext cx="6320537" cy="3933085"/>
+          </a:xfrm>
+          <a:prstGeom prst="rect">
+            <a:avLst/>
+          </a:prstGeom>
+        </p:spPr>
+      </p:pic>
+    </p:spTree>
+    <p:extLst>
+      <p:ext uri="{BB962C8B-B14F-4D97-AF65-F5344CB8AC3E}">
+        <p14:creationId xmlns:p14="http://schemas.microsoft.com/office/powerpoint/2010/main" val="4269105032"/>
+      </p:ext>
+    </p:extLst>
+  </p:cSld>
+  <p:clrMapOvr>
+    <a:masterClrMapping/>
+  </p:clrMapOvr>
+</p:sld>
+</file>
+
+<file path=ppt/slides/slide5.xml><?xml version="1.0" encoding="utf-8"?>
+<p:sld xmlns:a="http://schemas.openxmlformats.org/drawingml/2006/main" xmlns:r="http://schemas.openxmlformats.org/officeDocument/2006/relationships" xmlns:p="http://schemas.openxmlformats.org/presentationml/2006/main">
+  <p:cSld>
+    <p:spTree>
+      <p:nvGrpSpPr>
+        <p:cNvPr id="1" name=""/>
+        <p:cNvGrpSpPr/>
+        <p:nvPr/>
+      </p:nvGrpSpPr>
+      <p:grpSpPr>
+        <a:xfrm>
+          <a:off x="0" y="0"/>
+          <a:ext cx="0" cy="0"/>
+          <a:chOff x="0" y="0"/>
+          <a:chExt cx="0" cy="0"/>
+        </a:xfrm>
+      </p:grpSpPr>
+      <p:sp>
+        <p:nvSpPr>
+          <p:cNvPr id="2" name="Title 1">
+            <a:extLst>
+              <a:ext uri="{FF2B5EF4-FFF2-40B4-BE49-F238E27FC236}">
+                <a16:creationId xmlns:a16="http://schemas.microsoft.com/office/drawing/2014/main" id="{23C23456-F095-41EA-AB26-68206C8BB2A0}"/>
+              </a:ext>
+            </a:extLst>
+          </p:cNvPr>
+          <p:cNvSpPr>
+            <a:spLocks noGrp="1"/>
+          </p:cNvSpPr>
+          <p:nvPr>
+            <p:ph type="title"/>
+          </p:nvPr>
+        </p:nvSpPr>
+        <p:spPr/>
+        <p:txBody>
+          <a:bodyPr/>
+          <a:lstStyle/>
+          <a:p>
+            <a:r>
+              <a:rPr lang="en-US" dirty="0"/>
+              <a:t>Creating a branch</a:t>
+            </a:r>
+          </a:p>
+        </p:txBody>
+      </p:sp>
+      <p:sp>
+        <p:nvSpPr>
+          <p:cNvPr id="3" name="Content Placeholder 2">
+            <a:extLst>
+              <a:ext uri="{FF2B5EF4-FFF2-40B4-BE49-F238E27FC236}">
+                <a16:creationId xmlns:a16="http://schemas.microsoft.com/office/drawing/2014/main" id="{77AD8CCD-84E8-4696-93AB-6DAC1077F5CD}"/>
+              </a:ext>
+            </a:extLst>
+          </p:cNvPr>
+          <p:cNvSpPr>
+            <a:spLocks noGrp="1"/>
+          </p:cNvSpPr>
+          <p:nvPr>
+            <p:ph idx="1"/>
+          </p:nvPr>
+        </p:nvSpPr>
+        <p:spPr>
+          <a:xfrm>
+            <a:off x="838200" y="1825625"/>
+            <a:ext cx="4710344" cy="4351338"/>
+          </a:xfrm>
+        </p:spPr>
+        <p:txBody>
+          <a:bodyPr/>
+          <a:lstStyle/>
+          <a:p>
+            <a:r>
+              <a:rPr lang="en-US" dirty="0"/>
+              <a:t>Branch -&gt; Create new branch</a:t>
+            </a:r>
+          </a:p>
+        </p:txBody>
+      </p:sp>
+      <p:pic>
+        <p:nvPicPr>
+          <p:cNvPr id="5" name="Picture 4">
+            <a:extLst>
+              <a:ext uri="{FF2B5EF4-FFF2-40B4-BE49-F238E27FC236}">
+                <a16:creationId xmlns:a16="http://schemas.microsoft.com/office/drawing/2014/main" id="{7B79D66A-6488-4C60-BE2C-1573C30DE8B9}"/>
+              </a:ext>
+            </a:extLst>
+          </p:cNvPr>
+          <p:cNvPicPr>
+            <a:picLocks noChangeAspect="1"/>
+          </p:cNvPicPr>
+          <p:nvPr/>
+        </p:nvPicPr>
+        <p:blipFill>
+          <a:blip r:embed="rId2"/>
+          <a:stretch>
+            <a:fillRect/>
+          </a:stretch>
+        </p:blipFill>
+        <p:spPr>
+          <a:xfrm>
+            <a:off x="524800" y="2574803"/>
+            <a:ext cx="5879913" cy="3602160"/>
+          </a:xfrm>
+          <a:prstGeom prst="rect">
+            <a:avLst/>
+          </a:prstGeom>
+        </p:spPr>
+      </p:pic>
+      <p:pic>
+        <p:nvPicPr>
+          <p:cNvPr id="6" name="Picture 5">
+            <a:extLst>
+              <a:ext uri="{FF2B5EF4-FFF2-40B4-BE49-F238E27FC236}">
+                <a16:creationId xmlns:a16="http://schemas.microsoft.com/office/drawing/2014/main" id="{91FFF94B-B7F1-438C-AA8B-0BC71359E70D}"/>
+              </a:ext>
+            </a:extLst>
+          </p:cNvPr>
+          <p:cNvPicPr>
+            <a:picLocks noChangeAspect="1"/>
+          </p:cNvPicPr>
+          <p:nvPr/>
+        </p:nvPicPr>
+        <p:blipFill>
+          <a:blip r:embed="rId3"/>
+          <a:stretch>
+            <a:fillRect/>
+          </a:stretch>
+        </p:blipFill>
+        <p:spPr>
+          <a:xfrm>
+            <a:off x="7036294" y="1729581"/>
+            <a:ext cx="4724400" cy="4543425"/>
+          </a:xfrm>
+          <a:prstGeom prst="rect">
+            <a:avLst/>
+          </a:prstGeom>
+        </p:spPr>
+      </p:pic>
+      <p:sp>
+        <p:nvSpPr>
+          <p:cNvPr id="7" name="TextBox 6">
+            <a:extLst>
+              <a:ext uri="{FF2B5EF4-FFF2-40B4-BE49-F238E27FC236}">
+                <a16:creationId xmlns:a16="http://schemas.microsoft.com/office/drawing/2014/main" id="{0C8AFDDD-830C-4ACF-8CA5-D2237113F244}"/>
+              </a:ext>
+            </a:extLst>
+          </p:cNvPr>
+          <p:cNvSpPr txBox="1"/>
+          <p:nvPr/>
+        </p:nvSpPr>
+        <p:spPr>
+          <a:xfrm>
+            <a:off x="7892463" y="5039981"/>
+            <a:ext cx="3035423" cy="646331"/>
+          </a:xfrm>
+          <a:prstGeom prst="rect">
+            <a:avLst/>
+          </a:prstGeom>
+          <a:solidFill>
+            <a:schemeClr val="bg1"/>
+          </a:solidFill>
+          <a:ln>
+            <a:solidFill>
+              <a:schemeClr val="tx1"/>
+            </a:solidFill>
+          </a:ln>
+        </p:spPr>
+        <p:txBody>
+          <a:bodyPr wrap="square" rtlCol="0">
+            <a:spAutoFit/>
+          </a:bodyPr>
+          <a:lstStyle/>
+          <a:p>
+            <a:pPr algn="ctr"/>
+            <a:r>
+              <a:rPr lang="en-US" i="1" dirty="0"/>
+              <a:t>Here – Choose which branch you want to break off of</a:t>
+            </a:r>
+          </a:p>
+        </p:txBody>
+      </p:sp>
+      <p:sp>
+        <p:nvSpPr>
+          <p:cNvPr id="8" name="Arrow: Right 7">
+            <a:extLst>
+              <a:ext uri="{FF2B5EF4-FFF2-40B4-BE49-F238E27FC236}">
+                <a16:creationId xmlns:a16="http://schemas.microsoft.com/office/drawing/2014/main" id="{54A9BDC8-04BF-4581-96D4-F5D6D5B330B8}"/>
+              </a:ext>
+            </a:extLst>
+          </p:cNvPr>
+          <p:cNvSpPr/>
+          <p:nvPr/>
+        </p:nvSpPr>
+        <p:spPr>
+          <a:xfrm>
+            <a:off x="6516210" y="3755255"/>
+            <a:ext cx="520084" cy="683580"/>
+          </a:xfrm>
+          <a:prstGeom prst="rightArrow">
+            <a:avLst/>
+          </a:prstGeom>
+        </p:spPr>
+        <p:style>
+          <a:lnRef idx="2">
+            <a:schemeClr val="accent1">
+              <a:shade val="50000"/>
+            </a:schemeClr>
+          </a:lnRef>
+          <a:fillRef idx="1">
+            <a:schemeClr val="accent1"/>
+          </a:fillRef>
+          <a:effectRef idx="0">
+            <a:schemeClr val="accent1"/>
+          </a:effectRef>
+          <a:fontRef idx="minor">
+            <a:schemeClr val="lt1"/>
+          </a:fontRef>
+        </p:style>
+        <p:txBody>
+          <a:bodyPr rtlCol="0" anchor="ctr"/>
+          <a:lstStyle/>
+          <a:p>
+            <a:pPr algn="ctr"/>
+            <a:endParaRPr lang="en-US"/>
+          </a:p>
+        </p:txBody>
+      </p:sp>
+    </p:spTree>
+    <p:extLst>
+      <p:ext uri="{BB962C8B-B14F-4D97-AF65-F5344CB8AC3E}">
+        <p14:creationId xmlns:p14="http://schemas.microsoft.com/office/powerpoint/2010/main" val="3211052419"/>
+      </p:ext>
+    </p:extLst>
+  </p:cSld>
+  <p:clrMapOvr>
+    <a:masterClrMapping/>
+  </p:clrMapOvr>
+</p:sld>
+</file>
+
+<file path=ppt/slides/slide6.xml><?xml version="1.0" encoding="utf-8"?>
+<p:sld xmlns:a="http://schemas.openxmlformats.org/drawingml/2006/main" xmlns:r="http://schemas.openxmlformats.org/officeDocument/2006/relationships" xmlns:p="http://schemas.openxmlformats.org/presentationml/2006/main">
+  <p:cSld>
+    <p:spTree>
+      <p:nvGrpSpPr>
+        <p:cNvPr id="1" name=""/>
+        <p:cNvGrpSpPr/>
+        <p:nvPr/>
+      </p:nvGrpSpPr>
+      <p:grpSpPr>
+        <a:xfrm>
+          <a:off x="0" y="0"/>
+          <a:ext cx="0" cy="0"/>
+          <a:chOff x="0" y="0"/>
+          <a:chExt cx="0" cy="0"/>
+        </a:xfrm>
+      </p:grpSpPr>
+      <p:pic>
+        <p:nvPicPr>
+          <p:cNvPr id="6" name="Picture 5">
+            <a:extLst>
+              <a:ext uri="{FF2B5EF4-FFF2-40B4-BE49-F238E27FC236}">
+                <a16:creationId xmlns:a16="http://schemas.microsoft.com/office/drawing/2014/main" id="{370A4570-7524-4551-A86C-14679F4D3805}"/>
+              </a:ext>
+            </a:extLst>
+          </p:cNvPr>
+          <p:cNvPicPr>
+            <a:picLocks noChangeAspect="1"/>
+          </p:cNvPicPr>
+          <p:nvPr/>
+        </p:nvPicPr>
+        <p:blipFill>
+          <a:blip r:embed="rId2"/>
+          <a:stretch>
+            <a:fillRect/>
+          </a:stretch>
+        </p:blipFill>
+        <p:spPr>
+          <a:xfrm>
+            <a:off x="6853237" y="730912"/>
+            <a:ext cx="5276850" cy="5448300"/>
+          </a:xfrm>
+          <a:prstGeom prst="rect">
+            <a:avLst/>
+          </a:prstGeom>
+        </p:spPr>
+      </p:pic>
+      <p:sp>
+        <p:nvSpPr>
+          <p:cNvPr id="2" name="Title 1">
+            <a:extLst>
+              <a:ext uri="{FF2B5EF4-FFF2-40B4-BE49-F238E27FC236}">
+                <a16:creationId xmlns:a16="http://schemas.microsoft.com/office/drawing/2014/main" id="{67C3FBC8-B45D-4516-9667-159D2FE374FE}"/>
+              </a:ext>
+            </a:extLst>
+          </p:cNvPr>
+          <p:cNvSpPr>
+            <a:spLocks noGrp="1"/>
+          </p:cNvSpPr>
+          <p:nvPr>
+            <p:ph type="title"/>
+          </p:nvPr>
+        </p:nvSpPr>
+        <p:spPr/>
+        <p:txBody>
+          <a:bodyPr/>
+          <a:lstStyle/>
+          <a:p>
+            <a:r>
+              <a:rPr lang="en-US" dirty="0"/>
+              <a:t>Merging a branch</a:t>
+            </a:r>
+          </a:p>
+        </p:txBody>
+      </p:sp>
+      <p:pic>
+        <p:nvPicPr>
+          <p:cNvPr id="4" name="Picture 3">
+            <a:extLst>
+              <a:ext uri="{FF2B5EF4-FFF2-40B4-BE49-F238E27FC236}">
+                <a16:creationId xmlns:a16="http://schemas.microsoft.com/office/drawing/2014/main" id="{9D68587D-CCDF-4BC4-8A10-6C8CBC1B4DF8}"/>
+              </a:ext>
+            </a:extLst>
+          </p:cNvPr>
+          <p:cNvPicPr>
+            <a:picLocks noChangeAspect="1"/>
+          </p:cNvPicPr>
+          <p:nvPr/>
+        </p:nvPicPr>
+        <p:blipFill>
+          <a:blip r:embed="rId3"/>
+          <a:stretch>
+            <a:fillRect/>
+          </a:stretch>
+        </p:blipFill>
+        <p:spPr>
+          <a:xfrm>
+            <a:off x="338138" y="1690689"/>
+            <a:ext cx="6015037" cy="4131672"/>
+          </a:xfrm>
+          <a:prstGeom prst="rect">
+            <a:avLst/>
+          </a:prstGeom>
+        </p:spPr>
+      </p:pic>
+      <p:sp>
+        <p:nvSpPr>
+          <p:cNvPr id="5" name="Arrow: Right 4">
+            <a:extLst>
+              <a:ext uri="{FF2B5EF4-FFF2-40B4-BE49-F238E27FC236}">
+                <a16:creationId xmlns:a16="http://schemas.microsoft.com/office/drawing/2014/main" id="{EF304E0E-3067-4231-97AA-910B0CEA459D}"/>
+              </a:ext>
+            </a:extLst>
+          </p:cNvPr>
+          <p:cNvSpPr/>
+          <p:nvPr/>
+        </p:nvSpPr>
+        <p:spPr>
+          <a:xfrm>
+            <a:off x="6459060" y="3113272"/>
+            <a:ext cx="520084" cy="683580"/>
+          </a:xfrm>
+          <a:prstGeom prst="rightArrow">
+            <a:avLst/>
+          </a:prstGeom>
+        </p:spPr>
+        <p:style>
+          <a:lnRef idx="2">
+            <a:schemeClr val="accent1">
+              <a:shade val="50000"/>
+            </a:schemeClr>
+          </a:lnRef>
+          <a:fillRef idx="1">
+            <a:schemeClr val="accent1"/>
+          </a:fillRef>
+          <a:effectRef idx="0">
+            <a:schemeClr val="accent1"/>
+          </a:effectRef>
+          <a:fontRef idx="minor">
+            <a:schemeClr val="lt1"/>
+          </a:fontRef>
+        </p:style>
+        <p:txBody>
+          <a:bodyPr rtlCol="0" anchor="ctr"/>
+          <a:lstStyle/>
+          <a:p>
+            <a:pPr algn="ctr"/>
+            <a:endParaRPr lang="en-US"/>
+          </a:p>
+        </p:txBody>
+      </p:sp>
+      <p:sp>
+        <p:nvSpPr>
+          <p:cNvPr id="7" name="TextBox 6">
+            <a:extLst>
+              <a:ext uri="{FF2B5EF4-FFF2-40B4-BE49-F238E27FC236}">
+                <a16:creationId xmlns:a16="http://schemas.microsoft.com/office/drawing/2014/main" id="{0C840018-5512-4594-BB04-545B0BE433CE}"/>
+              </a:ext>
+            </a:extLst>
+          </p:cNvPr>
+          <p:cNvSpPr txBox="1"/>
+          <p:nvPr/>
+        </p:nvSpPr>
+        <p:spPr>
+          <a:xfrm>
+            <a:off x="8144914" y="3294860"/>
+            <a:ext cx="2427835" cy="923330"/>
+          </a:xfrm>
+          <a:prstGeom prst="rect">
+            <a:avLst/>
+          </a:prstGeom>
+          <a:noFill/>
+          <a:ln>
+            <a:solidFill>
+              <a:schemeClr val="tx1"/>
+            </a:solidFill>
+          </a:ln>
+        </p:spPr>
+        <p:txBody>
+          <a:bodyPr wrap="square" rtlCol="0">
+            <a:spAutoFit/>
+          </a:bodyPr>
+          <a:lstStyle/>
+          <a:p>
+            <a:pPr algn="ctr"/>
+            <a:r>
+              <a:rPr lang="en-US" dirty="0"/>
+              <a:t>Choose the branch you want to merge into the current branch</a:t>
+            </a:r>
+          </a:p>
+        </p:txBody>
+      </p:sp>
+    </p:spTree>
+    <p:extLst>
+      <p:ext uri="{BB962C8B-B14F-4D97-AF65-F5344CB8AC3E}">
+        <p14:creationId xmlns:p14="http://schemas.microsoft.com/office/powerpoint/2010/main" val="2691684294"/>
       </p:ext>
     </p:extLst>
   </p:cSld>
